--- a/docs/iteration3/final_iteration.pptx
+++ b/docs/iteration3/final_iteration.pptx
@@ -3368,8 +3368,8 @@
         </p:blipFill>
         <p:spPr>
           <a:xfrm>
-            <a:off x="697636" y="2711449"/>
-            <a:ext cx="11963401" cy="4330701"/>
+            <a:off x="697636" y="2711450"/>
+            <a:ext cx="11963401" cy="4330700"/>
           </a:xfrm>
           <a:prstGeom prst="rect">
             <a:avLst/>
@@ -3632,6 +3632,10 @@
           </p:nvPr>
         </p:nvSpPr>
         <p:spPr>
+          <a:xfrm>
+            <a:off x="808002" y="-251743"/>
+            <a:ext cx="11099801" cy="2159001"/>
+          </a:xfrm>
           <a:prstGeom prst="rect">
             <a:avLst/>
           </a:prstGeom>
@@ -3647,6 +3651,158 @@
             <a:pPr/>
             <a:r>
               <a:t>Linear Regression Model</a:t>
+            </a:r>
+          </a:p>
+        </p:txBody>
+      </p:sp>
+      <p:pic>
+        <p:nvPicPr>
+          <p:cNvPr id="139" name="los.png" descr="los.png"/>
+          <p:cNvPicPr>
+            <a:picLocks noChangeAspect="1"/>
+          </p:cNvPicPr>
+          <p:nvPr/>
+        </p:nvPicPr>
+        <p:blipFill>
+          <a:blip r:embed="rId2">
+            <a:extLst/>
+          </a:blip>
+          <a:stretch>
+            <a:fillRect/>
+          </a:stretch>
+        </p:blipFill>
+        <p:spPr>
+          <a:xfrm>
+            <a:off x="7364306" y="3578154"/>
+            <a:ext cx="5537201" cy="3644901"/>
+          </a:xfrm>
+          <a:prstGeom prst="rect">
+            <a:avLst/>
+          </a:prstGeom>
+          <a:ln w="12700">
+            <a:miter lim="400000"/>
+          </a:ln>
+        </p:spPr>
+      </p:pic>
+      <p:sp>
+        <p:nvSpPr>
+          <p:cNvPr id="140" name="Actual"/>
+          <p:cNvSpPr txBox="1"/>
+          <p:nvPr/>
+        </p:nvSpPr>
+        <p:spPr>
+          <a:xfrm>
+            <a:off x="11823959" y="7082154"/>
+            <a:ext cx="808330" cy="387070"/>
+          </a:xfrm>
+          <a:prstGeom prst="rect">
+            <a:avLst/>
+          </a:prstGeom>
+          <a:ln w="12700">
+            <a:miter lim="400000"/>
+          </a:ln>
+          <a:extLst>
+            <a:ext uri="{C572A759-6A51-4108-AA02-DFA0A04FC94B}">
+              <ma14:wrappingTextBoxFlag xmlns:ma14="http://schemas.microsoft.com/office/mac/drawingml/2011/main" val="1"/>
+            </a:ext>
+          </a:extLst>
+        </p:spPr>
+        <p:txBody>
+          <a:bodyPr wrap="none" lIns="50800" tIns="50800" rIns="50800" bIns="50800" anchor="ctr">
+            <a:spAutoFit/>
+          </a:bodyPr>
+          <a:lstStyle>
+            <a:lvl1pPr>
+              <a:defRPr sz="1800"/>
+            </a:lvl1pPr>
+          </a:lstStyle>
+          <a:p>
+            <a:pPr/>
+            <a:r>
+              <a:t>Actual</a:t>
+            </a:r>
+          </a:p>
+        </p:txBody>
+      </p:sp>
+      <p:sp>
+        <p:nvSpPr>
+          <p:cNvPr id="141" name="Predicted"/>
+          <p:cNvSpPr txBox="1"/>
+          <p:nvPr/>
+        </p:nvSpPr>
+        <p:spPr>
+          <a:xfrm>
+            <a:off x="7366379" y="3434149"/>
+            <a:ext cx="1353414" cy="387070"/>
+          </a:xfrm>
+          <a:prstGeom prst="rect">
+            <a:avLst/>
+          </a:prstGeom>
+          <a:ln w="12700">
+            <a:miter lim="400000"/>
+          </a:ln>
+          <a:extLst>
+            <a:ext uri="{C572A759-6A51-4108-AA02-DFA0A04FC94B}">
+              <ma14:wrappingTextBoxFlag xmlns:ma14="http://schemas.microsoft.com/office/mac/drawingml/2011/main" val="1"/>
+            </a:ext>
+          </a:extLst>
+        </p:spPr>
+        <p:txBody>
+          <a:bodyPr lIns="50800" tIns="50800" rIns="50800" bIns="50800" anchor="ctr">
+            <a:spAutoFit/>
+          </a:bodyPr>
+          <a:lstStyle>
+            <a:lvl1pPr>
+              <a:lnSpc>
+                <a:spcPct val="60000"/>
+              </a:lnSpc>
+              <a:defRPr sz="1800"/>
+            </a:lvl1pPr>
+          </a:lstStyle>
+          <a:p>
+            <a:pPr/>
+            <a:r>
+              <a:t>Predicted</a:t>
+            </a:r>
+          </a:p>
+        </p:txBody>
+      </p:sp>
+      <p:sp>
+        <p:nvSpPr>
+          <p:cNvPr id="142" name="Training features…"/>
+          <p:cNvSpPr txBox="1"/>
+          <p:nvPr>
+            <p:ph type="body" sz="half" idx="4294967295"/>
+          </p:nvPr>
+        </p:nvSpPr>
+        <p:spPr>
+          <a:xfrm>
+            <a:off x="1169246" y="2046393"/>
+            <a:ext cx="4987997" cy="6523850"/>
+          </a:xfrm>
+          <a:prstGeom prst="rect">
+            <a:avLst/>
+          </a:prstGeom>
+        </p:spPr>
+        <p:txBody>
+          <a:bodyPr/>
+          <a:lstStyle/>
+          <a:p>
+            <a:pPr/>
+            <a:r>
+              <a:t>Training features </a:t>
+            </a:r>
+          </a:p>
+          <a:p>
+            <a:pPr/>
+            <a:r>
+              <a:t>Training-testing split: 70/30</a:t>
+            </a:r>
+          </a:p>
+          <a:p>
+            <a:pPr/>
+            <a:r>
+              <a:t>Linear Regressor Model for individual campus </a:t>
             </a:r>
           </a:p>
         </p:txBody>
@@ -3679,7 +3835,7 @@
       </p:grpSpPr>
       <p:sp>
         <p:nvSpPr>
-          <p:cNvPr id="140" name="Results"/>
+          <p:cNvPr id="144" name="Results"/>
           <p:cNvSpPr txBox="1"/>
           <p:nvPr>
             <p:ph type="title"/>
@@ -3703,13 +3859,17 @@
       </p:sp>
       <p:sp>
         <p:nvSpPr>
-          <p:cNvPr id="141" name="Body"/>
+          <p:cNvPr id="145" name="Baseline Model: Yield Rate Prediction: 45%…"/>
           <p:cNvSpPr txBox="1"/>
           <p:nvPr>
-            <p:ph type="body" idx="4294967295"/>
+            <p:ph type="body" sz="half" idx="4294967295"/>
           </p:nvPr>
         </p:nvSpPr>
         <p:spPr>
+          <a:xfrm>
+            <a:off x="1169246" y="2046393"/>
+            <a:ext cx="4987997" cy="6523850"/>
+          </a:xfrm>
           <a:prstGeom prst="rect">
             <a:avLst/>
           </a:prstGeom>
@@ -3719,9 +3879,53 @@
           <a:lstStyle/>
           <a:p>
             <a:pPr/>
+            <a:r>
+              <a:t>Baseline Model: Yield Rate Prediction: 45%</a:t>
+            </a:r>
+          </a:p>
+          <a:p>
+            <a:pPr/>
+            <a:r>
+              <a:t>Linear Regression Model </a:t>
+            </a:r>
+          </a:p>
+          <a:p>
+            <a:pPr/>
+            <a:r>
+              <a:t>Both Models give us solid prediction </a:t>
+            </a:r>
           </a:p>
         </p:txBody>
       </p:sp>
+      <p:pic>
+        <p:nvPicPr>
+          <p:cNvPr id="146" name="los_bar.png" descr="los_bar.png"/>
+          <p:cNvPicPr>
+            <a:picLocks noChangeAspect="1"/>
+          </p:cNvPicPr>
+          <p:nvPr/>
+        </p:nvPicPr>
+        <p:blipFill>
+          <a:blip r:embed="rId2">
+            <a:extLst/>
+          </a:blip>
+          <a:stretch>
+            <a:fillRect/>
+          </a:stretch>
+        </p:blipFill>
+        <p:spPr>
+          <a:xfrm>
+            <a:off x="7194550" y="3365217"/>
+            <a:ext cx="5118100" cy="3886201"/>
+          </a:xfrm>
+          <a:prstGeom prst="rect">
+            <a:avLst/>
+          </a:prstGeom>
+          <a:ln w="12700">
+            <a:miter lim="400000"/>
+          </a:ln>
+        </p:spPr>
+      </p:pic>
     </p:spTree>
   </p:cSld>
   <p:clrMapOvr>
@@ -3750,7 +3954,7 @@
       </p:grpSpPr>
       <p:sp>
         <p:nvSpPr>
-          <p:cNvPr id="143" name="Future Work"/>
+          <p:cNvPr id="148" name="Future Work"/>
           <p:cNvSpPr txBox="1"/>
           <p:nvPr>
             <p:ph type="title"/>
@@ -3774,7 +3978,7 @@
       </p:sp>
       <p:sp>
         <p:nvSpPr>
-          <p:cNvPr id="144" name="Try different ML models…"/>
+          <p:cNvPr id="149" name="Current high school names ended at “L”…"/>
           <p:cNvSpPr txBox="1"/>
           <p:nvPr>
             <p:ph type="body" sz="quarter" idx="4294967295"/>
@@ -3793,13 +3997,56 @@
           <a:bodyPr/>
           <a:lstStyle/>
           <a:p>
-            <a:pPr/>
+            <a:pPr marL="355600" indent="-355600" defTabSz="467359">
+              <a:spcBef>
+                <a:spcPts val="3300"/>
+              </a:spcBef>
+              <a:defRPr sz="2560"/>
+            </a:pPr>
+            <a:r>
+              <a:t>Current high school names ended at “L”</a:t>
+            </a:r>
+          </a:p>
+          <a:p>
+            <a:pPr marL="355600" indent="-355600" defTabSz="467359">
+              <a:spcBef>
+                <a:spcPts val="3300"/>
+              </a:spcBef>
+              <a:defRPr sz="2560"/>
+            </a:pPr>
+            <a:r>
+              <a:t>Replenish more high schools test data</a:t>
+            </a:r>
+          </a:p>
+          <a:p>
+            <a:pPr marL="355600" indent="-355600" defTabSz="467359">
+              <a:spcBef>
+                <a:spcPts val="3300"/>
+              </a:spcBef>
+              <a:defRPr sz="2560"/>
+            </a:pPr>
+            <a:r>
+              <a:t>Cross-Validation Model (in progress)</a:t>
+            </a:r>
+          </a:p>
+          <a:p>
+            <a:pPr marL="355600" indent="-355600" defTabSz="467359">
+              <a:spcBef>
+                <a:spcPts val="3300"/>
+              </a:spcBef>
+              <a:defRPr sz="2560"/>
+            </a:pPr>
             <a:r>
               <a:t>Try different ML models </a:t>
             </a:r>
           </a:p>
           <a:p>
-            <a:pPr/>
+            <a:pPr marL="355600" indent="-355600" defTabSz="467359">
+              <a:spcBef>
+                <a:spcPts val="3300"/>
+              </a:spcBef>
+              <a:defRPr sz="2560"/>
+            </a:pPr>
             <a:r>
               <a:t>Incorporate more test scores</a:t>
             </a:r>
@@ -3808,7 +4055,7 @@
       </p:sp>
       <p:pic>
         <p:nvPicPr>
-          <p:cNvPr id="145" name="comp.jpg" descr="comp.jpg"/>
+          <p:cNvPr id="150" name="comp.jpg" descr="comp.jpg"/>
           <p:cNvPicPr>
             <a:picLocks noChangeAspect="1"/>
           </p:cNvPicPr>
@@ -3863,7 +4110,7 @@
       </p:grpSpPr>
       <p:sp>
         <p:nvSpPr>
-          <p:cNvPr id="147" name="Challenges"/>
+          <p:cNvPr id="152" name="Challenges"/>
           <p:cNvSpPr txBox="1"/>
           <p:nvPr>
             <p:ph type="title"/>
@@ -3887,7 +4134,7 @@
       </p:sp>
       <p:sp>
         <p:nvSpPr>
-          <p:cNvPr id="148" name="More datasets merging…"/>
+          <p:cNvPr id="153" name="Datasets merging…"/>
           <p:cNvSpPr txBox="1"/>
           <p:nvPr>
             <p:ph type="body" sz="half" idx="4294967295"/>
@@ -3908,7 +4155,7 @@
           <a:p>
             <a:pPr/>
             <a:r>
-              <a:t>More datasets merging </a:t>
+              <a:t>Datasets merging </a:t>
             </a:r>
           </a:p>
           <a:p>
@@ -3920,7 +4167,7 @@
           <a:p>
             <a:pPr/>
             <a:r>
-              <a:t>High schools ID did not match up </a:t>
+              <a:t>High school ID’s did not match up </a:t>
             </a:r>
           </a:p>
           <a:p>
@@ -3933,7 +4180,7 @@
       </p:sp>
       <p:pic>
         <p:nvPicPr>
-          <p:cNvPr id="149" name="chal.jpg" descr="chal.jpg"/>
+          <p:cNvPr id="154" name="chal.jpg" descr="chal.jpg"/>
           <p:cNvPicPr>
             <a:picLocks noChangeAspect="1"/>
           </p:cNvPicPr>

--- a/docs/iteration3/final_iteration.pptx
+++ b/docs/iteration3/final_iteration.pptx
@@ -3802,7 +3802,13 @@
           <a:p>
             <a:pPr/>
             <a:r>
-              <a:t>Linear Regressor Model for individual campus </a:t>
+              <a:t>Z-Score Normalization</a:t>
+            </a:r>
+          </a:p>
+          <a:p>
+            <a:pPr/>
+            <a:r>
+              <a:t>Run Linear Regressor Model for individual campus </a:t>
             </a:r>
           </a:p>
         </p:txBody>
@@ -3915,8 +3921,8 @@
         </p:blipFill>
         <p:spPr>
           <a:xfrm>
-            <a:off x="7194550" y="3365217"/>
-            <a:ext cx="5118100" cy="3886201"/>
+            <a:off x="7158425" y="3195255"/>
+            <a:ext cx="5565779" cy="4226125"/>
           </a:xfrm>
           <a:prstGeom prst="rect">
             <a:avLst/>
@@ -3997,58 +4003,47 @@
           <a:bodyPr/>
           <a:lstStyle/>
           <a:p>
-            <a:pPr marL="355600" indent="-355600" defTabSz="467359">
+            <a:pPr marL="426719" indent="-426719" defTabSz="560831">
               <a:spcBef>
-                <a:spcPts val="3300"/>
+                <a:spcPts val="4000"/>
               </a:spcBef>
-              <a:defRPr sz="2560"/>
+              <a:defRPr sz="3072"/>
             </a:pPr>
             <a:r>
               <a:t>Current high school names ended at “L”</a:t>
             </a:r>
           </a:p>
           <a:p>
-            <a:pPr marL="355600" indent="-355600" defTabSz="467359">
+            <a:pPr marL="426719" indent="-426719" defTabSz="560831">
               <a:spcBef>
-                <a:spcPts val="3300"/>
+                <a:spcPts val="4000"/>
               </a:spcBef>
-              <a:defRPr sz="2560"/>
+              <a:defRPr sz="3072"/>
             </a:pPr>
             <a:r>
               <a:t>Replenish more high schools test data</a:t>
             </a:r>
           </a:p>
           <a:p>
-            <a:pPr marL="355600" indent="-355600" defTabSz="467359">
+            <a:pPr marL="426719" indent="-426719" defTabSz="560831">
               <a:spcBef>
-                <a:spcPts val="3300"/>
+                <a:spcPts val="4000"/>
               </a:spcBef>
-              <a:defRPr sz="2560"/>
+              <a:defRPr sz="3072"/>
             </a:pPr>
             <a:r>
-              <a:t>Cross-Validation Model (in progress)</a:t>
-            </a:r>
-          </a:p>
-          <a:p>
-            <a:pPr marL="355600" indent="-355600" defTabSz="467359">
+              <a:t>Cross-Validation Model (in-progress)</a:t>
+            </a:r>
+          </a:p>
+          <a:p>
+            <a:pPr marL="426719" indent="-426719" defTabSz="560831">
               <a:spcBef>
-                <a:spcPts val="3300"/>
+                <a:spcPts val="4000"/>
               </a:spcBef>
-              <a:defRPr sz="2560"/>
+              <a:defRPr sz="3072"/>
             </a:pPr>
             <a:r>
               <a:t>Try different ML models </a:t>
-            </a:r>
-          </a:p>
-          <a:p>
-            <a:pPr marL="355600" indent="-355600" defTabSz="467359">
-              <a:spcBef>
-                <a:spcPts val="3300"/>
-              </a:spcBef>
-              <a:defRPr sz="2560"/>
-            </a:pPr>
-            <a:r>
-              <a:t>Incorporate more test scores</a:t>
             </a:r>
           </a:p>
         </p:txBody>
